--- a/docs/diagrams/UiComponentClassDiagram.pptx
+++ b/docs/diagrams/UiComponentClassDiagram.pptx
@@ -208,7 +208,7 @@
           <a:p>
             <a:fld id="{F5CC4B3F-88C1-4FFA-B1B6-F41C21DC6924}" type="datetimeFigureOut">
               <a:rPr lang="en-US" smtClean="0"/>
-              <a:t>1/7/2017</a:t>
+              <a:t>11/10/2018</a:t>
             </a:fld>
             <a:endParaRPr lang="en-US"/>
           </a:p>
@@ -654,7 +654,7 @@
           <a:p>
             <a:fld id="{78C97017-6FC3-485B-9764-EAC9E56C1D49}" type="datetimeFigureOut">
               <a:rPr lang="en-US" smtClean="0"/>
-              <a:t>1/7/2017</a:t>
+              <a:t>11/10/2018</a:t>
             </a:fld>
             <a:endParaRPr lang="en-US"/>
           </a:p>
@@ -822,7 +822,7 @@
           <a:p>
             <a:fld id="{78C97017-6FC3-485B-9764-EAC9E56C1D49}" type="datetimeFigureOut">
               <a:rPr lang="en-US" smtClean="0"/>
-              <a:t>1/7/2017</a:t>
+              <a:t>11/10/2018</a:t>
             </a:fld>
             <a:endParaRPr lang="en-US"/>
           </a:p>
@@ -1000,7 +1000,7 @@
           <a:p>
             <a:fld id="{78C97017-6FC3-485B-9764-EAC9E56C1D49}" type="datetimeFigureOut">
               <a:rPr lang="en-US" smtClean="0"/>
-              <a:t>1/7/2017</a:t>
+              <a:t>11/10/2018</a:t>
             </a:fld>
             <a:endParaRPr lang="en-US"/>
           </a:p>
@@ -1168,7 +1168,7 @@
           <a:p>
             <a:fld id="{78C97017-6FC3-485B-9764-EAC9E56C1D49}" type="datetimeFigureOut">
               <a:rPr lang="en-US" smtClean="0"/>
-              <a:t>1/7/2017</a:t>
+              <a:t>11/10/2018</a:t>
             </a:fld>
             <a:endParaRPr lang="en-US"/>
           </a:p>
@@ -1413,7 +1413,7 @@
           <a:p>
             <a:fld id="{78C97017-6FC3-485B-9764-EAC9E56C1D49}" type="datetimeFigureOut">
               <a:rPr lang="en-US" smtClean="0"/>
-              <a:t>1/7/2017</a:t>
+              <a:t>11/10/2018</a:t>
             </a:fld>
             <a:endParaRPr lang="en-US"/>
           </a:p>
@@ -1698,7 +1698,7 @@
           <a:p>
             <a:fld id="{78C97017-6FC3-485B-9764-EAC9E56C1D49}" type="datetimeFigureOut">
               <a:rPr lang="en-US" smtClean="0"/>
-              <a:t>1/7/2017</a:t>
+              <a:t>11/10/2018</a:t>
             </a:fld>
             <a:endParaRPr lang="en-US"/>
           </a:p>
@@ -2117,7 +2117,7 @@
           <a:p>
             <a:fld id="{78C97017-6FC3-485B-9764-EAC9E56C1D49}" type="datetimeFigureOut">
               <a:rPr lang="en-US" smtClean="0"/>
-              <a:t>1/7/2017</a:t>
+              <a:t>11/10/2018</a:t>
             </a:fld>
             <a:endParaRPr lang="en-US"/>
           </a:p>
@@ -2234,7 +2234,7 @@
           <a:p>
             <a:fld id="{78C97017-6FC3-485B-9764-EAC9E56C1D49}" type="datetimeFigureOut">
               <a:rPr lang="en-US" smtClean="0"/>
-              <a:t>1/7/2017</a:t>
+              <a:t>11/10/2018</a:t>
             </a:fld>
             <a:endParaRPr lang="en-US"/>
           </a:p>
@@ -2329,7 +2329,7 @@
           <a:p>
             <a:fld id="{78C97017-6FC3-485B-9764-EAC9E56C1D49}" type="datetimeFigureOut">
               <a:rPr lang="en-US" smtClean="0"/>
-              <a:t>1/7/2017</a:t>
+              <a:t>11/10/2018</a:t>
             </a:fld>
             <a:endParaRPr lang="en-US"/>
           </a:p>
@@ -2604,7 +2604,7 @@
           <a:p>
             <a:fld id="{78C97017-6FC3-485B-9764-EAC9E56C1D49}" type="datetimeFigureOut">
               <a:rPr lang="en-US" smtClean="0"/>
-              <a:t>1/7/2017</a:t>
+              <a:t>11/10/2018</a:t>
             </a:fld>
             <a:endParaRPr lang="en-US"/>
           </a:p>
@@ -2856,7 +2856,7 @@
           <a:p>
             <a:fld id="{78C97017-6FC3-485B-9764-EAC9E56C1D49}" type="datetimeFigureOut">
               <a:rPr lang="en-US" smtClean="0"/>
-              <a:t>1/7/2017</a:t>
+              <a:t>11/10/2018</a:t>
             </a:fld>
             <a:endParaRPr lang="en-US"/>
           </a:p>
@@ -3067,7 +3067,7 @@
           <a:p>
             <a:fld id="{78C97017-6FC3-485B-9764-EAC9E56C1D49}" type="datetimeFigureOut">
               <a:rPr lang="en-US" smtClean="0"/>
-              <a:t>1/7/2017</a:t>
+              <a:t>11/10/2018</a:t>
             </a:fld>
             <a:endParaRPr lang="en-US"/>
           </a:p>
@@ -3450,7 +3450,7 @@
         </p:nvSpPr>
         <p:spPr>
           <a:xfrm>
-            <a:off x="1217465" y="1447800"/>
+            <a:off x="1715730" y="1371601"/>
             <a:ext cx="4917083" cy="3962400"/>
           </a:xfrm>
           <a:prstGeom prst="roundRect">
@@ -3512,7 +3512,7 @@
         </p:nvSpPr>
         <p:spPr>
           <a:xfrm>
-            <a:off x="2095948" y="2341220"/>
+            <a:off x="2594213" y="2265021"/>
             <a:ext cx="1093635" cy="346760"/>
           </a:xfrm>
           <a:prstGeom prst="rect">
@@ -3572,7 +3572,7 @@
         </p:nvSpPr>
         <p:spPr>
           <a:xfrm>
-            <a:off x="2592528" y="2971800"/>
+            <a:off x="3090793" y="2895601"/>
             <a:ext cx="1093635" cy="236841"/>
           </a:xfrm>
           <a:prstGeom prst="rect">
@@ -3632,7 +3632,7 @@
         </p:nvSpPr>
         <p:spPr>
           <a:xfrm>
-            <a:off x="2092842" y="1770924"/>
+            <a:off x="2591107" y="1694725"/>
             <a:ext cx="1093635" cy="346760"/>
           </a:xfrm>
           <a:prstGeom prst="rect">
@@ -3694,7 +3694,7 @@
         </p:nvCxnSpPr>
         <p:spPr>
           <a:xfrm rot="16200000" flipH="1">
-            <a:off x="2529445" y="2227899"/>
+            <a:off x="3027710" y="2151700"/>
             <a:ext cx="223536" cy="3106"/>
           </a:xfrm>
           <a:prstGeom prst="bentConnector3">
@@ -3734,7 +3734,7 @@
         </p:nvSpPr>
         <p:spPr>
           <a:xfrm rot="10800000" flipV="1">
-            <a:off x="5394717" y="2110477"/>
+            <a:off x="5892982" y="2034278"/>
             <a:ext cx="270504" cy="175523"/>
           </a:xfrm>
           <a:prstGeom prst="triangle">
@@ -3782,7 +3782,7 @@
         </p:nvCxnSpPr>
         <p:spPr>
           <a:xfrm flipV="1">
-            <a:off x="644735" y="2991937"/>
+            <a:off x="1143000" y="2915738"/>
             <a:ext cx="684904" cy="1"/>
           </a:xfrm>
           <a:prstGeom prst="bentConnector3">
@@ -3825,7 +3825,7 @@
         </p:nvSpPr>
         <p:spPr>
           <a:xfrm rot="16200000">
-            <a:off x="5703829" y="2464877"/>
+            <a:off x="6202094" y="2388678"/>
             <a:ext cx="2362201" cy="328045"/>
           </a:xfrm>
           <a:prstGeom prst="roundRect">
@@ -3885,7 +3885,7 @@
         </p:nvSpPr>
         <p:spPr>
           <a:xfrm>
-            <a:off x="2592528" y="3649359"/>
+            <a:off x="3090793" y="3573160"/>
             <a:ext cx="1093635" cy="236841"/>
           </a:xfrm>
           <a:prstGeom prst="rect">
@@ -3945,7 +3945,7 @@
         </p:nvSpPr>
         <p:spPr>
           <a:xfrm>
-            <a:off x="2592527" y="4563759"/>
+            <a:off x="3090792" y="4487560"/>
             <a:ext cx="1093635" cy="236841"/>
           </a:xfrm>
           <a:prstGeom prst="rect">
@@ -4005,7 +4005,7 @@
         </p:nvSpPr>
         <p:spPr>
           <a:xfrm>
-            <a:off x="2592526" y="3991960"/>
+            <a:off x="3090791" y="3915761"/>
             <a:ext cx="1093635" cy="236841"/>
           </a:xfrm>
           <a:prstGeom prst="rect">
@@ -4038,16 +4038,26 @@
           <a:p>
             <a:pPr algn="ctr"/>
             <a:r>
-              <a:rPr lang="en-US" sz="1050" b="1" dirty="0" err="1">
+              <a:rPr lang="en-US" sz="1000" b="1" dirty="0" err="1" smtClean="0">
                 <a:solidFill>
                   <a:schemeClr val="accent3">
                     <a:lumMod val="75000"/>
                   </a:schemeClr>
                 </a:solidFill>
               </a:rPr>
-              <a:t>PersonListPanel</a:t>
-            </a:r>
-            <a:endParaRPr lang="en-SG" sz="1050" b="1" dirty="0">
+              <a:t>Student</a:t>
+            </a:r>
+            <a:r>
+              <a:rPr lang="en-US" sz="1000" b="1" dirty="0" err="1" smtClean="0">
+                <a:solidFill>
+                  <a:schemeClr val="accent3">
+                    <a:lumMod val="75000"/>
+                  </a:schemeClr>
+                </a:solidFill>
+              </a:rPr>
+              <a:t>ListPanel</a:t>
+            </a:r>
+            <a:endParaRPr lang="en-SG" sz="1000" b="1" dirty="0">
               <a:solidFill>
                 <a:schemeClr val="accent3">
                   <a:lumMod val="75000"/>
@@ -4065,7 +4075,7 @@
         </p:nvSpPr>
         <p:spPr>
           <a:xfrm>
-            <a:off x="3839323" y="4228801"/>
+            <a:off x="4337588" y="4152602"/>
             <a:ext cx="1040906" cy="236841"/>
           </a:xfrm>
           <a:prstGeom prst="rect">
@@ -4098,14 +4108,24 @@
           <a:p>
             <a:pPr algn="ctr"/>
             <a:r>
-              <a:rPr lang="en-US" sz="1050" b="1" dirty="0" err="1">
+              <a:rPr lang="en-US" sz="1050" b="1" dirty="0" err="1" smtClean="0">
                 <a:solidFill>
                   <a:schemeClr val="accent3">
                     <a:lumMod val="75000"/>
                   </a:schemeClr>
                 </a:solidFill>
               </a:rPr>
-              <a:t>PersonCard</a:t>
+              <a:t>Student</a:t>
+            </a:r>
+            <a:r>
+              <a:rPr lang="en-US" sz="1050" b="1" dirty="0" err="1" smtClean="0">
+                <a:solidFill>
+                  <a:schemeClr val="accent3">
+                    <a:lumMod val="75000"/>
+                  </a:schemeClr>
+                </a:solidFill>
+              </a:rPr>
+              <a:t>Card</a:t>
             </a:r>
             <a:endParaRPr lang="en-SG" sz="1050" b="1" dirty="0">
               <a:solidFill>
@@ -4125,7 +4145,7 @@
         </p:nvSpPr>
         <p:spPr>
           <a:xfrm>
-            <a:off x="2592528" y="4966000"/>
+            <a:off x="3090793" y="4889801"/>
             <a:ext cx="1093635" cy="236841"/>
           </a:xfrm>
           <a:prstGeom prst="rect">
@@ -4185,7 +4205,7 @@
         </p:nvSpPr>
         <p:spPr>
           <a:xfrm>
-            <a:off x="2324548" y="2706452"/>
+            <a:off x="2822813" y="2630253"/>
             <a:ext cx="183156" cy="161573"/>
           </a:xfrm>
           <a:prstGeom prst="flowChartDecision">
@@ -4236,7 +4256,7 @@
         </p:nvCxnSpPr>
         <p:spPr>
           <a:xfrm rot="16200000" flipH="1">
-            <a:off x="2393229" y="2890922"/>
+            <a:off x="2891494" y="2814723"/>
             <a:ext cx="222196" cy="176402"/>
           </a:xfrm>
           <a:prstGeom prst="bentConnector2">
@@ -4274,7 +4294,7 @@
         </p:nvSpPr>
         <p:spPr>
           <a:xfrm>
-            <a:off x="2590799" y="3304308"/>
+            <a:off x="3089064" y="3228109"/>
             <a:ext cx="1095361" cy="236841"/>
           </a:xfrm>
           <a:prstGeom prst="rect">
@@ -4337,7 +4357,7 @@
         </p:nvCxnSpPr>
         <p:spPr>
           <a:xfrm rot="16200000" flipH="1">
-            <a:off x="2054450" y="3229701"/>
+            <a:off x="2552715" y="3153502"/>
             <a:ext cx="899755" cy="176402"/>
           </a:xfrm>
           <a:prstGeom prst="bentConnector2">
@@ -4378,7 +4398,7 @@
         </p:nvCxnSpPr>
         <p:spPr>
           <a:xfrm rot="16200000" flipH="1">
-            <a:off x="1883148" y="3401003"/>
+            <a:off x="2381413" y="3324804"/>
             <a:ext cx="1242356" cy="176400"/>
           </a:xfrm>
           <a:prstGeom prst="bentConnector2">
@@ -4419,7 +4439,7 @@
         </p:nvCxnSpPr>
         <p:spPr>
           <a:xfrm rot="16200000" flipH="1">
-            <a:off x="1597249" y="3686901"/>
+            <a:off x="2095514" y="3610702"/>
             <a:ext cx="1814155" cy="176401"/>
           </a:xfrm>
           <a:prstGeom prst="bentConnector2">
@@ -4459,7 +4479,7 @@
         </p:nvCxnSpPr>
         <p:spPr>
           <a:xfrm rot="16200000" flipH="1">
-            <a:off x="1184119" y="3676012"/>
+            <a:off x="1682384" y="3599813"/>
             <a:ext cx="2396440" cy="420377"/>
           </a:xfrm>
           <a:prstGeom prst="bentConnector2">
@@ -4497,7 +4517,7 @@
         </p:nvSpPr>
         <p:spPr>
           <a:xfrm>
-            <a:off x="5143948" y="1770924"/>
+            <a:off x="5642213" y="1694725"/>
             <a:ext cx="772043" cy="346760"/>
           </a:xfrm>
           <a:prstGeom prst="rect">
@@ -4579,7 +4599,7 @@
         </p:nvCxnSpPr>
         <p:spPr>
           <a:xfrm flipV="1">
-            <a:off x="3686160" y="2286000"/>
+            <a:off x="4184425" y="2209801"/>
             <a:ext cx="1843809" cy="1136729"/>
           </a:xfrm>
           <a:prstGeom prst="bentConnector2">
@@ -4620,7 +4640,7 @@
         </p:nvCxnSpPr>
         <p:spPr>
           <a:xfrm rot="5400000">
-            <a:off x="4174488" y="2991741"/>
+            <a:off x="4672753" y="2915542"/>
             <a:ext cx="2061222" cy="649740"/>
           </a:xfrm>
           <a:prstGeom prst="bentConnector2">
@@ -4661,7 +4681,7 @@
         </p:nvCxnSpPr>
         <p:spPr>
           <a:xfrm rot="5400000">
-            <a:off x="3867176" y="2104987"/>
+            <a:off x="4365441" y="2028788"/>
             <a:ext cx="1481780" cy="1843806"/>
           </a:xfrm>
           <a:prstGeom prst="bentConnector2">
@@ -4702,7 +4722,7 @@
         </p:nvCxnSpPr>
         <p:spPr>
           <a:xfrm flipV="1">
-            <a:off x="3189583" y="2286000"/>
+            <a:off x="3687848" y="2209801"/>
             <a:ext cx="2340386" cy="228600"/>
           </a:xfrm>
           <a:prstGeom prst="bentConnector2">
@@ -4743,7 +4763,7 @@
         </p:nvCxnSpPr>
         <p:spPr>
           <a:xfrm rot="5400000">
-            <a:off x="3409976" y="2562187"/>
+            <a:off x="3908241" y="2485988"/>
             <a:ext cx="2396180" cy="1843807"/>
           </a:xfrm>
           <a:prstGeom prst="bentConnector2">
@@ -4784,7 +4804,7 @@
         </p:nvCxnSpPr>
         <p:spPr>
           <a:xfrm rot="5400000">
-            <a:off x="3208856" y="2763307"/>
+            <a:off x="3707121" y="2687108"/>
             <a:ext cx="2798421" cy="1843806"/>
           </a:xfrm>
           <a:prstGeom prst="bentConnector2">
@@ -4824,7 +4844,7 @@
         </p:nvCxnSpPr>
         <p:spPr>
           <a:xfrm rot="5400000" flipH="1" flipV="1">
-            <a:off x="4594921" y="-355061"/>
+            <a:off x="5093186" y="-431260"/>
             <a:ext cx="170724" cy="4081246"/>
           </a:xfrm>
           <a:prstGeom prst="bentConnector2">
@@ -4863,7 +4883,7 @@
         </p:nvSpPr>
         <p:spPr>
           <a:xfrm rot="16200000">
-            <a:off x="6213739" y="4560376"/>
+            <a:off x="6712004" y="4484177"/>
             <a:ext cx="1371599" cy="328045"/>
           </a:xfrm>
           <a:prstGeom prst="roundRect">
@@ -4923,7 +4943,7 @@
         </p:nvSpPr>
         <p:spPr>
           <a:xfrm rot="16200000">
-            <a:off x="956202" y="2861202"/>
+            <a:off x="1454467" y="2785003"/>
             <a:ext cx="1093635" cy="346760"/>
           </a:xfrm>
           <a:prstGeom prst="rect">
@@ -4993,7 +5013,7 @@
         </p:nvSpPr>
         <p:spPr>
           <a:xfrm flipV="1">
-            <a:off x="1367767" y="2286001"/>
+            <a:off x="1866032" y="2209802"/>
             <a:ext cx="270504" cy="175523"/>
           </a:xfrm>
           <a:prstGeom prst="triangle">
@@ -5044,7 +5064,7 @@
         </p:nvCxnSpPr>
         <p:spPr>
           <a:xfrm rot="10800000" flipV="1">
-            <a:off x="1503020" y="1944303"/>
+            <a:off x="2001285" y="1868104"/>
             <a:ext cx="589823" cy="341697"/>
           </a:xfrm>
           <a:prstGeom prst="bentConnector2">
@@ -5086,7 +5106,7 @@
         </p:nvCxnSpPr>
         <p:spPr>
           <a:xfrm rot="16200000" flipH="1">
-            <a:off x="2226110" y="3058040"/>
+            <a:off x="2724375" y="2981841"/>
             <a:ext cx="554704" cy="174673"/>
           </a:xfrm>
           <a:prstGeom prst="bentConnector2">
@@ -5127,7 +5147,7 @@
         </p:nvCxnSpPr>
         <p:spPr>
           <a:xfrm rot="5400000">
-            <a:off x="4205956" y="1766207"/>
+            <a:off x="4704221" y="1690008"/>
             <a:ext cx="804221" cy="1843806"/>
           </a:xfrm>
           <a:prstGeom prst="bentConnector2">
@@ -5168,7 +5188,7 @@
         </p:nvCxnSpPr>
         <p:spPr>
           <a:xfrm rot="16200000" flipH="1">
-            <a:off x="3430123" y="3938021"/>
+            <a:off x="3928388" y="3861822"/>
             <a:ext cx="118421" cy="699979"/>
           </a:xfrm>
           <a:prstGeom prst="bentConnector2">
@@ -5209,7 +5229,7 @@
         </p:nvCxnSpPr>
         <p:spPr>
           <a:xfrm rot="5400000">
-            <a:off x="3695875" y="2276286"/>
+            <a:off x="4194140" y="2200087"/>
             <a:ext cx="1824381" cy="1843808"/>
           </a:xfrm>
           <a:prstGeom prst="bentConnector2">
@@ -5247,7 +5267,7 @@
         </p:nvSpPr>
         <p:spPr>
           <a:xfrm>
-            <a:off x="5435896" y="2743200"/>
+            <a:off x="5934161" y="2667001"/>
             <a:ext cx="229325" cy="166560"/>
           </a:xfrm>
           <a:prstGeom prst="rect">
@@ -5300,7 +5320,7 @@
         </p:nvSpPr>
         <p:spPr>
           <a:xfrm>
-            <a:off x="3687515" y="2828802"/>
+            <a:off x="4185780" y="2752603"/>
             <a:ext cx="3048000" cy="203200"/>
           </a:xfrm>
           <a:custGeom>
@@ -5382,7 +5402,7 @@
         </p:nvSpPr>
         <p:spPr>
           <a:xfrm>
-            <a:off x="5431573" y="4488138"/>
+            <a:off x="5929838" y="4411939"/>
             <a:ext cx="229325" cy="160062"/>
           </a:xfrm>
           <a:prstGeom prst="rect">
@@ -5435,7 +5455,7 @@
         </p:nvSpPr>
         <p:spPr>
           <a:xfrm flipV="1">
-            <a:off x="4114799" y="4472708"/>
+            <a:off x="4613064" y="4396509"/>
             <a:ext cx="2642195" cy="101600"/>
           </a:xfrm>
           <a:custGeom>

--- a/docs/diagrams/UiComponentClassDiagram.pptx
+++ b/docs/diagrams/UiComponentClassDiagram.pptx
@@ -208,7 +208,7 @@
           <a:p>
             <a:fld id="{F5CC4B3F-88C1-4FFA-B1B6-F41C21DC6924}" type="datetimeFigureOut">
               <a:rPr lang="en-US" smtClean="0"/>
-              <a:t>11/10/2018</a:t>
+              <a:t>1/7/2017</a:t>
             </a:fld>
             <a:endParaRPr lang="en-US"/>
           </a:p>
@@ -654,7 +654,7 @@
           <a:p>
             <a:fld id="{78C97017-6FC3-485B-9764-EAC9E56C1D49}" type="datetimeFigureOut">
               <a:rPr lang="en-US" smtClean="0"/>
-              <a:t>11/10/2018</a:t>
+              <a:t>1/7/2017</a:t>
             </a:fld>
             <a:endParaRPr lang="en-US"/>
           </a:p>
@@ -822,7 +822,7 @@
           <a:p>
             <a:fld id="{78C97017-6FC3-485B-9764-EAC9E56C1D49}" type="datetimeFigureOut">
               <a:rPr lang="en-US" smtClean="0"/>
-              <a:t>11/10/2018</a:t>
+              <a:t>1/7/2017</a:t>
             </a:fld>
             <a:endParaRPr lang="en-US"/>
           </a:p>
@@ -1000,7 +1000,7 @@
           <a:p>
             <a:fld id="{78C97017-6FC3-485B-9764-EAC9E56C1D49}" type="datetimeFigureOut">
               <a:rPr lang="en-US" smtClean="0"/>
-              <a:t>11/10/2018</a:t>
+              <a:t>1/7/2017</a:t>
             </a:fld>
             <a:endParaRPr lang="en-US"/>
           </a:p>
@@ -1168,7 +1168,7 @@
           <a:p>
             <a:fld id="{78C97017-6FC3-485B-9764-EAC9E56C1D49}" type="datetimeFigureOut">
               <a:rPr lang="en-US" smtClean="0"/>
-              <a:t>11/10/2018</a:t>
+              <a:t>1/7/2017</a:t>
             </a:fld>
             <a:endParaRPr lang="en-US"/>
           </a:p>
@@ -1413,7 +1413,7 @@
           <a:p>
             <a:fld id="{78C97017-6FC3-485B-9764-EAC9E56C1D49}" type="datetimeFigureOut">
               <a:rPr lang="en-US" smtClean="0"/>
-              <a:t>11/10/2018</a:t>
+              <a:t>1/7/2017</a:t>
             </a:fld>
             <a:endParaRPr lang="en-US"/>
           </a:p>
@@ -1698,7 +1698,7 @@
           <a:p>
             <a:fld id="{78C97017-6FC3-485B-9764-EAC9E56C1D49}" type="datetimeFigureOut">
               <a:rPr lang="en-US" smtClean="0"/>
-              <a:t>11/10/2018</a:t>
+              <a:t>1/7/2017</a:t>
             </a:fld>
             <a:endParaRPr lang="en-US"/>
           </a:p>
@@ -2117,7 +2117,7 @@
           <a:p>
             <a:fld id="{78C97017-6FC3-485B-9764-EAC9E56C1D49}" type="datetimeFigureOut">
               <a:rPr lang="en-US" smtClean="0"/>
-              <a:t>11/10/2018</a:t>
+              <a:t>1/7/2017</a:t>
             </a:fld>
             <a:endParaRPr lang="en-US"/>
           </a:p>
@@ -2234,7 +2234,7 @@
           <a:p>
             <a:fld id="{78C97017-6FC3-485B-9764-EAC9E56C1D49}" type="datetimeFigureOut">
               <a:rPr lang="en-US" smtClean="0"/>
-              <a:t>11/10/2018</a:t>
+              <a:t>1/7/2017</a:t>
             </a:fld>
             <a:endParaRPr lang="en-US"/>
           </a:p>
@@ -2329,7 +2329,7 @@
           <a:p>
             <a:fld id="{78C97017-6FC3-485B-9764-EAC9E56C1D49}" type="datetimeFigureOut">
               <a:rPr lang="en-US" smtClean="0"/>
-              <a:t>11/10/2018</a:t>
+              <a:t>1/7/2017</a:t>
             </a:fld>
             <a:endParaRPr lang="en-US"/>
           </a:p>
@@ -2604,7 +2604,7 @@
           <a:p>
             <a:fld id="{78C97017-6FC3-485B-9764-EAC9E56C1D49}" type="datetimeFigureOut">
               <a:rPr lang="en-US" smtClean="0"/>
-              <a:t>11/10/2018</a:t>
+              <a:t>1/7/2017</a:t>
             </a:fld>
             <a:endParaRPr lang="en-US"/>
           </a:p>
@@ -2856,7 +2856,7 @@
           <a:p>
             <a:fld id="{78C97017-6FC3-485B-9764-EAC9E56C1D49}" type="datetimeFigureOut">
               <a:rPr lang="en-US" smtClean="0"/>
-              <a:t>11/10/2018</a:t>
+              <a:t>1/7/2017</a:t>
             </a:fld>
             <a:endParaRPr lang="en-US"/>
           </a:p>
@@ -3067,7 +3067,7 @@
           <a:p>
             <a:fld id="{78C97017-6FC3-485B-9764-EAC9E56C1D49}" type="datetimeFigureOut">
               <a:rPr lang="en-US" smtClean="0"/>
-              <a:t>11/10/2018</a:t>
+              <a:t>1/7/2017</a:t>
             </a:fld>
             <a:endParaRPr lang="en-US"/>
           </a:p>
@@ -3450,7 +3450,7 @@
         </p:nvSpPr>
         <p:spPr>
           <a:xfrm>
-            <a:off x="1715730" y="1371601"/>
+            <a:off x="1217465" y="1447800"/>
             <a:ext cx="4917083" cy="3962400"/>
           </a:xfrm>
           <a:prstGeom prst="roundRect">
@@ -3512,7 +3512,7 @@
         </p:nvSpPr>
         <p:spPr>
           <a:xfrm>
-            <a:off x="2594213" y="2265021"/>
+            <a:off x="2095948" y="2341220"/>
             <a:ext cx="1093635" cy="346760"/>
           </a:xfrm>
           <a:prstGeom prst="rect">
@@ -3572,7 +3572,7 @@
         </p:nvSpPr>
         <p:spPr>
           <a:xfrm>
-            <a:off x="3090793" y="2895601"/>
+            <a:off x="2592528" y="2971800"/>
             <a:ext cx="1093635" cy="236841"/>
           </a:xfrm>
           <a:prstGeom prst="rect">
@@ -3632,7 +3632,7 @@
         </p:nvSpPr>
         <p:spPr>
           <a:xfrm>
-            <a:off x="2591107" y="1694725"/>
+            <a:off x="2092842" y="1770924"/>
             <a:ext cx="1093635" cy="346760"/>
           </a:xfrm>
           <a:prstGeom prst="rect">
@@ -3694,7 +3694,7 @@
         </p:nvCxnSpPr>
         <p:spPr>
           <a:xfrm rot="16200000" flipH="1">
-            <a:off x="3027710" y="2151700"/>
+            <a:off x="2529445" y="2227899"/>
             <a:ext cx="223536" cy="3106"/>
           </a:xfrm>
           <a:prstGeom prst="bentConnector3">
@@ -3734,7 +3734,7 @@
         </p:nvSpPr>
         <p:spPr>
           <a:xfrm rot="10800000" flipV="1">
-            <a:off x="5892982" y="2034278"/>
+            <a:off x="5394717" y="2110477"/>
             <a:ext cx="270504" cy="175523"/>
           </a:xfrm>
           <a:prstGeom prst="triangle">
@@ -3782,7 +3782,7 @@
         </p:nvCxnSpPr>
         <p:spPr>
           <a:xfrm flipV="1">
-            <a:off x="1143000" y="2915738"/>
+            <a:off x="644735" y="2991937"/>
             <a:ext cx="684904" cy="1"/>
           </a:xfrm>
           <a:prstGeom prst="bentConnector3">
@@ -3825,7 +3825,7 @@
         </p:nvSpPr>
         <p:spPr>
           <a:xfrm rot="16200000">
-            <a:off x="6202094" y="2388678"/>
+            <a:off x="5703829" y="2464877"/>
             <a:ext cx="2362201" cy="328045"/>
           </a:xfrm>
           <a:prstGeom prst="roundRect">
@@ -3885,7 +3885,7 @@
         </p:nvSpPr>
         <p:spPr>
           <a:xfrm>
-            <a:off x="3090793" y="3573160"/>
+            <a:off x="2592528" y="3649359"/>
             <a:ext cx="1093635" cy="236841"/>
           </a:xfrm>
           <a:prstGeom prst="rect">
@@ -3945,7 +3945,7 @@
         </p:nvSpPr>
         <p:spPr>
           <a:xfrm>
-            <a:off x="3090792" y="4487560"/>
+            <a:off x="2592527" y="4563759"/>
             <a:ext cx="1093635" cy="236841"/>
           </a:xfrm>
           <a:prstGeom prst="rect">
@@ -4005,7 +4005,7 @@
         </p:nvSpPr>
         <p:spPr>
           <a:xfrm>
-            <a:off x="3090791" y="3915761"/>
+            <a:off x="2592526" y="3991960"/>
             <a:ext cx="1093635" cy="236841"/>
           </a:xfrm>
           <a:prstGeom prst="rect">
@@ -4038,26 +4038,16 @@
           <a:p>
             <a:pPr algn="ctr"/>
             <a:r>
-              <a:rPr lang="en-US" sz="1000" b="1" dirty="0" err="1" smtClean="0">
+              <a:rPr lang="en-US" sz="1050" b="1" dirty="0" err="1">
                 <a:solidFill>
                   <a:schemeClr val="accent3">
                     <a:lumMod val="75000"/>
                   </a:schemeClr>
                 </a:solidFill>
               </a:rPr>
-              <a:t>Student</a:t>
-            </a:r>
-            <a:r>
-              <a:rPr lang="en-US" sz="1000" b="1" dirty="0" err="1" smtClean="0">
-                <a:solidFill>
-                  <a:schemeClr val="accent3">
-                    <a:lumMod val="75000"/>
-                  </a:schemeClr>
-                </a:solidFill>
-              </a:rPr>
-              <a:t>ListPanel</a:t>
-            </a:r>
-            <a:endParaRPr lang="en-SG" sz="1000" b="1" dirty="0">
+              <a:t>PersonListPanel</a:t>
+            </a:r>
+            <a:endParaRPr lang="en-SG" sz="1050" b="1" dirty="0">
               <a:solidFill>
                 <a:schemeClr val="accent3">
                   <a:lumMod val="75000"/>
@@ -4075,7 +4065,7 @@
         </p:nvSpPr>
         <p:spPr>
           <a:xfrm>
-            <a:off x="4337588" y="4152602"/>
+            <a:off x="3839323" y="4228801"/>
             <a:ext cx="1040906" cy="236841"/>
           </a:xfrm>
           <a:prstGeom prst="rect">
@@ -4108,24 +4098,14 @@
           <a:p>
             <a:pPr algn="ctr"/>
             <a:r>
-              <a:rPr lang="en-US" sz="1050" b="1" dirty="0" err="1" smtClean="0">
+              <a:rPr lang="en-US" sz="1050" b="1" dirty="0" err="1">
                 <a:solidFill>
                   <a:schemeClr val="accent3">
                     <a:lumMod val="75000"/>
                   </a:schemeClr>
                 </a:solidFill>
               </a:rPr>
-              <a:t>Student</a:t>
-            </a:r>
-            <a:r>
-              <a:rPr lang="en-US" sz="1050" b="1" dirty="0" err="1" smtClean="0">
-                <a:solidFill>
-                  <a:schemeClr val="accent3">
-                    <a:lumMod val="75000"/>
-                  </a:schemeClr>
-                </a:solidFill>
-              </a:rPr>
-              <a:t>Card</a:t>
+              <a:t>PersonCard</a:t>
             </a:r>
             <a:endParaRPr lang="en-SG" sz="1050" b="1" dirty="0">
               <a:solidFill>
@@ -4145,7 +4125,7 @@
         </p:nvSpPr>
         <p:spPr>
           <a:xfrm>
-            <a:off x="3090793" y="4889801"/>
+            <a:off x="2592528" y="4966000"/>
             <a:ext cx="1093635" cy="236841"/>
           </a:xfrm>
           <a:prstGeom prst="rect">
@@ -4205,7 +4185,7 @@
         </p:nvSpPr>
         <p:spPr>
           <a:xfrm>
-            <a:off x="2822813" y="2630253"/>
+            <a:off x="2324548" y="2706452"/>
             <a:ext cx="183156" cy="161573"/>
           </a:xfrm>
           <a:prstGeom prst="flowChartDecision">
@@ -4256,7 +4236,7 @@
         </p:nvCxnSpPr>
         <p:spPr>
           <a:xfrm rot="16200000" flipH="1">
-            <a:off x="2891494" y="2814723"/>
+            <a:off x="2393229" y="2890922"/>
             <a:ext cx="222196" cy="176402"/>
           </a:xfrm>
           <a:prstGeom prst="bentConnector2">
@@ -4294,7 +4274,7 @@
         </p:nvSpPr>
         <p:spPr>
           <a:xfrm>
-            <a:off x="3089064" y="3228109"/>
+            <a:off x="2590799" y="3304308"/>
             <a:ext cx="1095361" cy="236841"/>
           </a:xfrm>
           <a:prstGeom prst="rect">
@@ -4357,7 +4337,7 @@
         </p:nvCxnSpPr>
         <p:spPr>
           <a:xfrm rot="16200000" flipH="1">
-            <a:off x="2552715" y="3153502"/>
+            <a:off x="2054450" y="3229701"/>
             <a:ext cx="899755" cy="176402"/>
           </a:xfrm>
           <a:prstGeom prst="bentConnector2">
@@ -4398,7 +4378,7 @@
         </p:nvCxnSpPr>
         <p:spPr>
           <a:xfrm rot="16200000" flipH="1">
-            <a:off x="2381413" y="3324804"/>
+            <a:off x="1883148" y="3401003"/>
             <a:ext cx="1242356" cy="176400"/>
           </a:xfrm>
           <a:prstGeom prst="bentConnector2">
@@ -4439,7 +4419,7 @@
         </p:nvCxnSpPr>
         <p:spPr>
           <a:xfrm rot="16200000" flipH="1">
-            <a:off x="2095514" y="3610702"/>
+            <a:off x="1597249" y="3686901"/>
             <a:ext cx="1814155" cy="176401"/>
           </a:xfrm>
           <a:prstGeom prst="bentConnector2">
@@ -4479,7 +4459,7 @@
         </p:nvCxnSpPr>
         <p:spPr>
           <a:xfrm rot="16200000" flipH="1">
-            <a:off x="1682384" y="3599813"/>
+            <a:off x="1184119" y="3676012"/>
             <a:ext cx="2396440" cy="420377"/>
           </a:xfrm>
           <a:prstGeom prst="bentConnector2">
@@ -4517,7 +4497,7 @@
         </p:nvSpPr>
         <p:spPr>
           <a:xfrm>
-            <a:off x="5642213" y="1694725"/>
+            <a:off x="5143948" y="1770924"/>
             <a:ext cx="772043" cy="346760"/>
           </a:xfrm>
           <a:prstGeom prst="rect">
@@ -4599,7 +4579,7 @@
         </p:nvCxnSpPr>
         <p:spPr>
           <a:xfrm flipV="1">
-            <a:off x="4184425" y="2209801"/>
+            <a:off x="3686160" y="2286000"/>
             <a:ext cx="1843809" cy="1136729"/>
           </a:xfrm>
           <a:prstGeom prst="bentConnector2">
@@ -4640,7 +4620,7 @@
         </p:nvCxnSpPr>
         <p:spPr>
           <a:xfrm rot="5400000">
-            <a:off x="4672753" y="2915542"/>
+            <a:off x="4174488" y="2991741"/>
             <a:ext cx="2061222" cy="649740"/>
           </a:xfrm>
           <a:prstGeom prst="bentConnector2">
@@ -4681,7 +4661,7 @@
         </p:nvCxnSpPr>
         <p:spPr>
           <a:xfrm rot="5400000">
-            <a:off x="4365441" y="2028788"/>
+            <a:off x="3867176" y="2104987"/>
             <a:ext cx="1481780" cy="1843806"/>
           </a:xfrm>
           <a:prstGeom prst="bentConnector2">
@@ -4722,7 +4702,7 @@
         </p:nvCxnSpPr>
         <p:spPr>
           <a:xfrm flipV="1">
-            <a:off x="3687848" y="2209801"/>
+            <a:off x="3189583" y="2286000"/>
             <a:ext cx="2340386" cy="228600"/>
           </a:xfrm>
           <a:prstGeom prst="bentConnector2">
@@ -4763,7 +4743,7 @@
         </p:nvCxnSpPr>
         <p:spPr>
           <a:xfrm rot="5400000">
-            <a:off x="3908241" y="2485988"/>
+            <a:off x="3409976" y="2562187"/>
             <a:ext cx="2396180" cy="1843807"/>
           </a:xfrm>
           <a:prstGeom prst="bentConnector2">
@@ -4804,7 +4784,7 @@
         </p:nvCxnSpPr>
         <p:spPr>
           <a:xfrm rot="5400000">
-            <a:off x="3707121" y="2687108"/>
+            <a:off x="3208856" y="2763307"/>
             <a:ext cx="2798421" cy="1843806"/>
           </a:xfrm>
           <a:prstGeom prst="bentConnector2">
@@ -4844,7 +4824,7 @@
         </p:nvCxnSpPr>
         <p:spPr>
           <a:xfrm rot="5400000" flipH="1" flipV="1">
-            <a:off x="5093186" y="-431260"/>
+            <a:off x="4594921" y="-355061"/>
             <a:ext cx="170724" cy="4081246"/>
           </a:xfrm>
           <a:prstGeom prst="bentConnector2">
@@ -4883,7 +4863,7 @@
         </p:nvSpPr>
         <p:spPr>
           <a:xfrm rot="16200000">
-            <a:off x="6712004" y="4484177"/>
+            <a:off x="6213739" y="4560376"/>
             <a:ext cx="1371599" cy="328045"/>
           </a:xfrm>
           <a:prstGeom prst="roundRect">
@@ -4943,7 +4923,7 @@
         </p:nvSpPr>
         <p:spPr>
           <a:xfrm rot="16200000">
-            <a:off x="1454467" y="2785003"/>
+            <a:off x="956202" y="2861202"/>
             <a:ext cx="1093635" cy="346760"/>
           </a:xfrm>
           <a:prstGeom prst="rect">
@@ -5013,7 +4993,7 @@
         </p:nvSpPr>
         <p:spPr>
           <a:xfrm flipV="1">
-            <a:off x="1866032" y="2209802"/>
+            <a:off x="1367767" y="2286001"/>
             <a:ext cx="270504" cy="175523"/>
           </a:xfrm>
           <a:prstGeom prst="triangle">
@@ -5064,7 +5044,7 @@
         </p:nvCxnSpPr>
         <p:spPr>
           <a:xfrm rot="10800000" flipV="1">
-            <a:off x="2001285" y="1868104"/>
+            <a:off x="1503020" y="1944303"/>
             <a:ext cx="589823" cy="341697"/>
           </a:xfrm>
           <a:prstGeom prst="bentConnector2">
@@ -5106,7 +5086,7 @@
         </p:nvCxnSpPr>
         <p:spPr>
           <a:xfrm rot="16200000" flipH="1">
-            <a:off x="2724375" y="2981841"/>
+            <a:off x="2226110" y="3058040"/>
             <a:ext cx="554704" cy="174673"/>
           </a:xfrm>
           <a:prstGeom prst="bentConnector2">
@@ -5147,7 +5127,7 @@
         </p:nvCxnSpPr>
         <p:spPr>
           <a:xfrm rot="5400000">
-            <a:off x="4704221" y="1690008"/>
+            <a:off x="4205956" y="1766207"/>
             <a:ext cx="804221" cy="1843806"/>
           </a:xfrm>
           <a:prstGeom prst="bentConnector2">
@@ -5188,7 +5168,7 @@
         </p:nvCxnSpPr>
         <p:spPr>
           <a:xfrm rot="16200000" flipH="1">
-            <a:off x="3928388" y="3861822"/>
+            <a:off x="3430123" y="3938021"/>
             <a:ext cx="118421" cy="699979"/>
           </a:xfrm>
           <a:prstGeom prst="bentConnector2">
@@ -5229,7 +5209,7 @@
         </p:nvCxnSpPr>
         <p:spPr>
           <a:xfrm rot="5400000">
-            <a:off x="4194140" y="2200087"/>
+            <a:off x="3695875" y="2276286"/>
             <a:ext cx="1824381" cy="1843808"/>
           </a:xfrm>
           <a:prstGeom prst="bentConnector2">
@@ -5267,7 +5247,7 @@
         </p:nvSpPr>
         <p:spPr>
           <a:xfrm>
-            <a:off x="5934161" y="2667001"/>
+            <a:off x="5435896" y="2743200"/>
             <a:ext cx="229325" cy="166560"/>
           </a:xfrm>
           <a:prstGeom prst="rect">
@@ -5320,7 +5300,7 @@
         </p:nvSpPr>
         <p:spPr>
           <a:xfrm>
-            <a:off x="4185780" y="2752603"/>
+            <a:off x="3687515" y="2828802"/>
             <a:ext cx="3048000" cy="203200"/>
           </a:xfrm>
           <a:custGeom>
@@ -5402,7 +5382,7 @@
         </p:nvSpPr>
         <p:spPr>
           <a:xfrm>
-            <a:off x="5929838" y="4411939"/>
+            <a:off x="5431573" y="4488138"/>
             <a:ext cx="229325" cy="160062"/>
           </a:xfrm>
           <a:prstGeom prst="rect">
@@ -5455,7 +5435,7 @@
         </p:nvSpPr>
         <p:spPr>
           <a:xfrm flipV="1">
-            <a:off x="4613064" y="4396509"/>
+            <a:off x="4114799" y="4472708"/>
             <a:ext cx="2642195" cy="101600"/>
           </a:xfrm>
           <a:custGeom>
